--- a/Neural Network/doc/sudhakar_ppt.pptx
+++ b/Neural Network/doc/sudhakar_ppt.pptx
@@ -123,6 +123,22 @@
       </a:defRPr>
     </a:lvl9pPr>
   </p:defaultTextStyle>
+  <p:extLst>
+    <p:ext uri="{EFAFB233-063F-42B5-8137-9DF3F51BA10A}">
+      <p15:sldGuideLst xmlns:p15="http://schemas.microsoft.com/office/powerpoint/2012/main">
+        <p15:guide id="1" orient="horz" pos="2160">
+          <p15:clr>
+            <a:srgbClr val="A4A3A4"/>
+          </p15:clr>
+        </p15:guide>
+        <p15:guide id="2" pos="2880">
+          <p15:clr>
+            <a:srgbClr val="A4A3A4"/>
+          </p15:clr>
+        </p15:guide>
+      </p15:sldGuideLst>
+    </p:ext>
+  </p:extLst>
 </p:presentation>
 </file>
 
@@ -164,10 +180,9 @@
           <a:lstStyle/>
           <a:p>
             <a:r>
-              <a:rPr lang="en-US" smtClean="0"/>
+              <a:rPr lang="en-US"/>
               <a:t>Click to edit Master title style</a:t>
             </a:r>
-            <a:endParaRPr lang="en-US"/>
           </a:p>
         </p:txBody>
       </p:sp>
@@ -283,10 +298,9 @@
           </a:lstStyle>
           <a:p>
             <a:r>
-              <a:rPr lang="en-US" smtClean="0"/>
+              <a:rPr lang="en-US"/>
               <a:t>Click to edit Master subtitle style</a:t>
             </a:r>
-            <a:endParaRPr lang="en-US"/>
           </a:p>
         </p:txBody>
       </p:sp>
@@ -308,7 +322,7 @@
             <a:fld id="{1D8BD707-D9CF-40AE-B4C6-C98DA3205C09}" type="datetimeFigureOut">
               <a:rPr lang="en-US" smtClean="0"/>
               <a:pPr/>
-              <a:t>12/1/2016</a:t>
+              <a:t>1/8/2017</a:t>
             </a:fld>
             <a:endParaRPr lang="en-US"/>
           </a:p>
@@ -398,10 +412,9 @@
           <a:lstStyle/>
           <a:p>
             <a:r>
-              <a:rPr lang="en-US" smtClean="0"/>
+              <a:rPr lang="en-US"/>
               <a:t>Click to edit Master title style</a:t>
             </a:r>
-            <a:endParaRPr lang="en-US"/>
           </a:p>
         </p:txBody>
       </p:sp>
@@ -422,38 +435,37 @@
           <a:p>
             <a:pPr lvl="0"/>
             <a:r>
-              <a:rPr lang="en-US" smtClean="0"/>
+              <a:rPr lang="en-US"/>
               <a:t>Click to edit Master text styles</a:t>
             </a:r>
           </a:p>
           <a:p>
             <a:pPr lvl="1"/>
             <a:r>
-              <a:rPr lang="en-US" smtClean="0"/>
+              <a:rPr lang="en-US"/>
               <a:t>Second level</a:t>
             </a:r>
           </a:p>
           <a:p>
             <a:pPr lvl="2"/>
             <a:r>
-              <a:rPr lang="en-US" smtClean="0"/>
+              <a:rPr lang="en-US"/>
               <a:t>Third level</a:t>
             </a:r>
           </a:p>
           <a:p>
             <a:pPr lvl="3"/>
             <a:r>
-              <a:rPr lang="en-US" smtClean="0"/>
+              <a:rPr lang="en-US"/>
               <a:t>Fourth level</a:t>
             </a:r>
           </a:p>
           <a:p>
             <a:pPr lvl="4"/>
             <a:r>
-              <a:rPr lang="en-US" smtClean="0"/>
+              <a:rPr lang="en-US"/>
               <a:t>Fifth level</a:t>
             </a:r>
-            <a:endParaRPr lang="en-US"/>
           </a:p>
         </p:txBody>
       </p:sp>
@@ -475,7 +487,7 @@
             <a:fld id="{1D8BD707-D9CF-40AE-B4C6-C98DA3205C09}" type="datetimeFigureOut">
               <a:rPr lang="en-US" smtClean="0"/>
               <a:pPr/>
-              <a:t>12/1/2016</a:t>
+              <a:t>1/8/2017</a:t>
             </a:fld>
             <a:endParaRPr lang="en-US"/>
           </a:p>
@@ -570,10 +582,9 @@
           <a:lstStyle/>
           <a:p>
             <a:r>
-              <a:rPr lang="en-US" smtClean="0"/>
+              <a:rPr lang="en-US"/>
               <a:t>Click to edit Master title style</a:t>
             </a:r>
-            <a:endParaRPr lang="en-US"/>
           </a:p>
         </p:txBody>
       </p:sp>
@@ -599,38 +610,37 @@
           <a:p>
             <a:pPr lvl="0"/>
             <a:r>
-              <a:rPr lang="en-US" smtClean="0"/>
+              <a:rPr lang="en-US"/>
               <a:t>Click to edit Master text styles</a:t>
             </a:r>
           </a:p>
           <a:p>
             <a:pPr lvl="1"/>
             <a:r>
-              <a:rPr lang="en-US" smtClean="0"/>
+              <a:rPr lang="en-US"/>
               <a:t>Second level</a:t>
             </a:r>
           </a:p>
           <a:p>
             <a:pPr lvl="2"/>
             <a:r>
-              <a:rPr lang="en-US" smtClean="0"/>
+              <a:rPr lang="en-US"/>
               <a:t>Third level</a:t>
             </a:r>
           </a:p>
           <a:p>
             <a:pPr lvl="3"/>
             <a:r>
-              <a:rPr lang="en-US" smtClean="0"/>
+              <a:rPr lang="en-US"/>
               <a:t>Fourth level</a:t>
             </a:r>
           </a:p>
           <a:p>
             <a:pPr lvl="4"/>
             <a:r>
-              <a:rPr lang="en-US" smtClean="0"/>
+              <a:rPr lang="en-US"/>
               <a:t>Fifth level</a:t>
             </a:r>
-            <a:endParaRPr lang="en-US"/>
           </a:p>
         </p:txBody>
       </p:sp>
@@ -652,7 +662,7 @@
             <a:fld id="{1D8BD707-D9CF-40AE-B4C6-C98DA3205C09}" type="datetimeFigureOut">
               <a:rPr lang="en-US" smtClean="0"/>
               <a:pPr/>
-              <a:t>12/1/2016</a:t>
+              <a:t>1/8/2017</a:t>
             </a:fld>
             <a:endParaRPr lang="en-US"/>
           </a:p>
@@ -747,10 +757,9 @@
           <a:lstStyle/>
           <a:p>
             <a:r>
-              <a:rPr lang="en-US" smtClean="0"/>
+              <a:rPr lang="en-US"/>
               <a:t>Click to edit Master title style</a:t>
             </a:r>
-            <a:endParaRPr lang="en-US"/>
           </a:p>
         </p:txBody>
       </p:sp>
@@ -866,10 +875,9 @@
           </a:lstStyle>
           <a:p>
             <a:r>
-              <a:rPr lang="en-US" smtClean="0"/>
+              <a:rPr lang="en-US"/>
               <a:t>Click to edit Master subtitle style</a:t>
             </a:r>
-            <a:endParaRPr lang="en-US"/>
           </a:p>
         </p:txBody>
       </p:sp>
@@ -897,7 +905,7 @@
                 </a:solidFill>
               </a:rPr>
               <a:pPr/>
-              <a:t>12/1/2016</a:t>
+              <a:t>1/8/2017</a:t>
             </a:fld>
             <a:endParaRPr lang="en-US">
               <a:solidFill>
@@ -1016,10 +1024,9 @@
           <a:lstStyle/>
           <a:p>
             <a:r>
-              <a:rPr lang="en-US" smtClean="0"/>
+              <a:rPr lang="en-US"/>
               <a:t>Click to edit Master title style</a:t>
             </a:r>
-            <a:endParaRPr lang="en-US"/>
           </a:p>
         </p:txBody>
       </p:sp>
@@ -1040,38 +1047,37 @@
           <a:p>
             <a:pPr lvl="0"/>
             <a:r>
-              <a:rPr lang="en-US" smtClean="0"/>
+              <a:rPr lang="en-US"/>
               <a:t>Click to edit Master text styles</a:t>
             </a:r>
           </a:p>
           <a:p>
             <a:pPr lvl="1"/>
             <a:r>
-              <a:rPr lang="en-US" smtClean="0"/>
+              <a:rPr lang="en-US"/>
               <a:t>Second level</a:t>
             </a:r>
           </a:p>
           <a:p>
             <a:pPr lvl="2"/>
             <a:r>
-              <a:rPr lang="en-US" smtClean="0"/>
+              <a:rPr lang="en-US"/>
               <a:t>Third level</a:t>
             </a:r>
           </a:p>
           <a:p>
             <a:pPr lvl="3"/>
             <a:r>
-              <a:rPr lang="en-US" smtClean="0"/>
+              <a:rPr lang="en-US"/>
               <a:t>Fourth level</a:t>
             </a:r>
           </a:p>
           <a:p>
             <a:pPr lvl="4"/>
             <a:r>
-              <a:rPr lang="en-US" smtClean="0"/>
+              <a:rPr lang="en-US"/>
               <a:t>Fifth level</a:t>
             </a:r>
-            <a:endParaRPr lang="en-US"/>
           </a:p>
         </p:txBody>
       </p:sp>
@@ -1099,7 +1105,7 @@
                 </a:solidFill>
               </a:rPr>
               <a:pPr/>
-              <a:t>12/1/2016</a:t>
+              <a:t>1/8/2017</a:t>
             </a:fld>
             <a:endParaRPr lang="en-US">
               <a:solidFill>
@@ -1227,10 +1233,9 @@
           </a:lstStyle>
           <a:p>
             <a:r>
-              <a:rPr lang="en-US" smtClean="0"/>
+              <a:rPr lang="en-US"/>
               <a:t>Click to edit Master title style</a:t>
             </a:r>
-            <a:endParaRPr lang="en-US"/>
           </a:p>
         </p:txBody>
       </p:sp>
@@ -1347,7 +1352,7 @@
           <a:p>
             <a:pPr lvl="0"/>
             <a:r>
-              <a:rPr lang="en-US" smtClean="0"/>
+              <a:rPr lang="en-US"/>
               <a:t>Click to edit Master text styles</a:t>
             </a:r>
           </a:p>
@@ -1377,7 +1382,7 @@
                 </a:solidFill>
               </a:rPr>
               <a:pPr/>
-              <a:t>12/1/2016</a:t>
+              <a:t>1/8/2017</a:t>
             </a:fld>
             <a:endParaRPr lang="en-US">
               <a:solidFill>
@@ -1496,10 +1501,9 @@
           <a:lstStyle/>
           <a:p>
             <a:r>
-              <a:rPr lang="en-US" smtClean="0"/>
+              <a:rPr lang="en-US"/>
               <a:t>Click to edit Master title style</a:t>
             </a:r>
-            <a:endParaRPr lang="en-US"/>
           </a:p>
         </p:txBody>
       </p:sp>
@@ -1553,38 +1557,37 @@
           <a:p>
             <a:pPr lvl="0"/>
             <a:r>
-              <a:rPr lang="en-US" smtClean="0"/>
+              <a:rPr lang="en-US"/>
               <a:t>Click to edit Master text styles</a:t>
             </a:r>
           </a:p>
           <a:p>
             <a:pPr lvl="1"/>
             <a:r>
-              <a:rPr lang="en-US" smtClean="0"/>
+              <a:rPr lang="en-US"/>
               <a:t>Second level</a:t>
             </a:r>
           </a:p>
           <a:p>
             <a:pPr lvl="2"/>
             <a:r>
-              <a:rPr lang="en-US" smtClean="0"/>
+              <a:rPr lang="en-US"/>
               <a:t>Third level</a:t>
             </a:r>
           </a:p>
           <a:p>
             <a:pPr lvl="3"/>
             <a:r>
-              <a:rPr lang="en-US" smtClean="0"/>
+              <a:rPr lang="en-US"/>
               <a:t>Fourth level</a:t>
             </a:r>
           </a:p>
           <a:p>
             <a:pPr lvl="4"/>
             <a:r>
-              <a:rPr lang="en-US" smtClean="0"/>
+              <a:rPr lang="en-US"/>
               <a:t>Fifth level</a:t>
             </a:r>
-            <a:endParaRPr lang="en-US"/>
           </a:p>
         </p:txBody>
       </p:sp>
@@ -1638,38 +1641,37 @@
           <a:p>
             <a:pPr lvl="0"/>
             <a:r>
-              <a:rPr lang="en-US" smtClean="0"/>
+              <a:rPr lang="en-US"/>
               <a:t>Click to edit Master text styles</a:t>
             </a:r>
           </a:p>
           <a:p>
             <a:pPr lvl="1"/>
             <a:r>
-              <a:rPr lang="en-US" smtClean="0"/>
+              <a:rPr lang="en-US"/>
               <a:t>Second level</a:t>
             </a:r>
           </a:p>
           <a:p>
             <a:pPr lvl="2"/>
             <a:r>
-              <a:rPr lang="en-US" smtClean="0"/>
+              <a:rPr lang="en-US"/>
               <a:t>Third level</a:t>
             </a:r>
           </a:p>
           <a:p>
             <a:pPr lvl="3"/>
             <a:r>
-              <a:rPr lang="en-US" smtClean="0"/>
+              <a:rPr lang="en-US"/>
               <a:t>Fourth level</a:t>
             </a:r>
           </a:p>
           <a:p>
             <a:pPr lvl="4"/>
             <a:r>
-              <a:rPr lang="en-US" smtClean="0"/>
+              <a:rPr lang="en-US"/>
               <a:t>Fifth level</a:t>
             </a:r>
-            <a:endParaRPr lang="en-US"/>
           </a:p>
         </p:txBody>
       </p:sp>
@@ -1697,7 +1699,7 @@
                 </a:solidFill>
               </a:rPr>
               <a:pPr/>
-              <a:t>12/1/2016</a:t>
+              <a:t>1/8/2017</a:t>
             </a:fld>
             <a:endParaRPr lang="en-US">
               <a:solidFill>
@@ -1820,10 +1822,9 @@
           </a:lstStyle>
           <a:p>
             <a:r>
-              <a:rPr lang="en-US" smtClean="0"/>
+              <a:rPr lang="en-US"/>
               <a:t>Click to edit Master title style</a:t>
             </a:r>
-            <a:endParaRPr lang="en-US"/>
           </a:p>
         </p:txBody>
       </p:sp>
@@ -1886,7 +1887,7 @@
           <a:p>
             <a:pPr lvl="0"/>
             <a:r>
-              <a:rPr lang="en-US" smtClean="0"/>
+              <a:rPr lang="en-US"/>
               <a:t>Click to edit Master text styles</a:t>
             </a:r>
           </a:p>
@@ -1942,38 +1943,37 @@
           <a:p>
             <a:pPr lvl="0"/>
             <a:r>
-              <a:rPr lang="en-US" smtClean="0"/>
+              <a:rPr lang="en-US"/>
               <a:t>Click to edit Master text styles</a:t>
             </a:r>
           </a:p>
           <a:p>
             <a:pPr lvl="1"/>
             <a:r>
-              <a:rPr lang="en-US" smtClean="0"/>
+              <a:rPr lang="en-US"/>
               <a:t>Second level</a:t>
             </a:r>
           </a:p>
           <a:p>
             <a:pPr lvl="2"/>
             <a:r>
-              <a:rPr lang="en-US" smtClean="0"/>
+              <a:rPr lang="en-US"/>
               <a:t>Third level</a:t>
             </a:r>
           </a:p>
           <a:p>
             <a:pPr lvl="3"/>
             <a:r>
-              <a:rPr lang="en-US" smtClean="0"/>
+              <a:rPr lang="en-US"/>
               <a:t>Fourth level</a:t>
             </a:r>
           </a:p>
           <a:p>
             <a:pPr lvl="4"/>
             <a:r>
-              <a:rPr lang="en-US" smtClean="0"/>
+              <a:rPr lang="en-US"/>
               <a:t>Fifth level</a:t>
             </a:r>
-            <a:endParaRPr lang="en-US"/>
           </a:p>
         </p:txBody>
       </p:sp>
@@ -2036,7 +2036,7 @@
           <a:p>
             <a:pPr lvl="0"/>
             <a:r>
-              <a:rPr lang="en-US" smtClean="0"/>
+              <a:rPr lang="en-US"/>
               <a:t>Click to edit Master text styles</a:t>
             </a:r>
           </a:p>
@@ -2092,38 +2092,37 @@
           <a:p>
             <a:pPr lvl="0"/>
             <a:r>
-              <a:rPr lang="en-US" smtClean="0"/>
+              <a:rPr lang="en-US"/>
               <a:t>Click to edit Master text styles</a:t>
             </a:r>
           </a:p>
           <a:p>
             <a:pPr lvl="1"/>
             <a:r>
-              <a:rPr lang="en-US" smtClean="0"/>
+              <a:rPr lang="en-US"/>
               <a:t>Second level</a:t>
             </a:r>
           </a:p>
           <a:p>
             <a:pPr lvl="2"/>
             <a:r>
-              <a:rPr lang="en-US" smtClean="0"/>
+              <a:rPr lang="en-US"/>
               <a:t>Third level</a:t>
             </a:r>
           </a:p>
           <a:p>
             <a:pPr lvl="3"/>
             <a:r>
-              <a:rPr lang="en-US" smtClean="0"/>
+              <a:rPr lang="en-US"/>
               <a:t>Fourth level</a:t>
             </a:r>
           </a:p>
           <a:p>
             <a:pPr lvl="4"/>
             <a:r>
-              <a:rPr lang="en-US" smtClean="0"/>
+              <a:rPr lang="en-US"/>
               <a:t>Fifth level</a:t>
             </a:r>
-            <a:endParaRPr lang="en-US"/>
           </a:p>
         </p:txBody>
       </p:sp>
@@ -2151,7 +2150,7 @@
                 </a:solidFill>
               </a:rPr>
               <a:pPr/>
-              <a:t>12/1/2016</a:t>
+              <a:t>1/8/2017</a:t>
             </a:fld>
             <a:endParaRPr lang="en-US">
               <a:solidFill>
@@ -2270,10 +2269,9 @@
           <a:lstStyle/>
           <a:p>
             <a:r>
-              <a:rPr lang="en-US" smtClean="0"/>
+              <a:rPr lang="en-US"/>
               <a:t>Click to edit Master title style</a:t>
             </a:r>
-            <a:endParaRPr lang="en-US"/>
           </a:p>
         </p:txBody>
       </p:sp>
@@ -2301,7 +2299,7 @@
                 </a:solidFill>
               </a:rPr>
               <a:pPr/>
-              <a:t>12/1/2016</a:t>
+              <a:t>1/8/2017</a:t>
             </a:fld>
             <a:endParaRPr lang="en-US">
               <a:solidFill>
@@ -2428,7 +2426,7 @@
                 </a:solidFill>
               </a:rPr>
               <a:pPr/>
-              <a:t>12/1/2016</a:t>
+              <a:t>1/8/2017</a:t>
             </a:fld>
             <a:endParaRPr lang="en-US">
               <a:solidFill>
@@ -2556,10 +2554,9 @@
           </a:lstStyle>
           <a:p>
             <a:r>
-              <a:rPr lang="en-US" smtClean="0"/>
+              <a:rPr lang="en-US"/>
               <a:t>Click to edit Master title style</a:t>
             </a:r>
-            <a:endParaRPr lang="en-US"/>
           </a:p>
         </p:txBody>
       </p:sp>
@@ -2613,38 +2610,37 @@
           <a:p>
             <a:pPr lvl="0"/>
             <a:r>
-              <a:rPr lang="en-US" smtClean="0"/>
+              <a:rPr lang="en-US"/>
               <a:t>Click to edit Master text styles</a:t>
             </a:r>
           </a:p>
           <a:p>
             <a:pPr lvl="1"/>
             <a:r>
-              <a:rPr lang="en-US" smtClean="0"/>
+              <a:rPr lang="en-US"/>
               <a:t>Second level</a:t>
             </a:r>
           </a:p>
           <a:p>
             <a:pPr lvl="2"/>
             <a:r>
-              <a:rPr lang="en-US" smtClean="0"/>
+              <a:rPr lang="en-US"/>
               <a:t>Third level</a:t>
             </a:r>
           </a:p>
           <a:p>
             <a:pPr lvl="3"/>
             <a:r>
-              <a:rPr lang="en-US" smtClean="0"/>
+              <a:rPr lang="en-US"/>
               <a:t>Fourth level</a:t>
             </a:r>
           </a:p>
           <a:p>
             <a:pPr lvl="4"/>
             <a:r>
-              <a:rPr lang="en-US" smtClean="0"/>
+              <a:rPr lang="en-US"/>
               <a:t>Fifth level</a:t>
             </a:r>
-            <a:endParaRPr lang="en-US"/>
           </a:p>
         </p:txBody>
       </p:sp>
@@ -2707,7 +2703,7 @@
           <a:p>
             <a:pPr lvl="0"/>
             <a:r>
-              <a:rPr lang="en-US" smtClean="0"/>
+              <a:rPr lang="en-US"/>
               <a:t>Click to edit Master text styles</a:t>
             </a:r>
           </a:p>
@@ -2737,7 +2733,7 @@
                 </a:solidFill>
               </a:rPr>
               <a:pPr/>
-              <a:t>12/1/2016</a:t>
+              <a:t>1/8/2017</a:t>
             </a:fld>
             <a:endParaRPr lang="en-US">
               <a:solidFill>
@@ -2856,10 +2852,9 @@
           <a:lstStyle/>
           <a:p>
             <a:r>
-              <a:rPr lang="en-US" smtClean="0"/>
+              <a:rPr lang="en-US"/>
               <a:t>Click to edit Master title style</a:t>
             </a:r>
-            <a:endParaRPr lang="en-US"/>
           </a:p>
         </p:txBody>
       </p:sp>
@@ -2880,38 +2875,37 @@
           <a:p>
             <a:pPr lvl="0"/>
             <a:r>
-              <a:rPr lang="en-US" smtClean="0"/>
+              <a:rPr lang="en-US"/>
               <a:t>Click to edit Master text styles</a:t>
             </a:r>
           </a:p>
           <a:p>
             <a:pPr lvl="1"/>
             <a:r>
-              <a:rPr lang="en-US" smtClean="0"/>
+              <a:rPr lang="en-US"/>
               <a:t>Second level</a:t>
             </a:r>
           </a:p>
           <a:p>
             <a:pPr lvl="2"/>
             <a:r>
-              <a:rPr lang="en-US" smtClean="0"/>
+              <a:rPr lang="en-US"/>
               <a:t>Third level</a:t>
             </a:r>
           </a:p>
           <a:p>
             <a:pPr lvl="3"/>
             <a:r>
-              <a:rPr lang="en-US" smtClean="0"/>
+              <a:rPr lang="en-US"/>
               <a:t>Fourth level</a:t>
             </a:r>
           </a:p>
           <a:p>
             <a:pPr lvl="4"/>
             <a:r>
-              <a:rPr lang="en-US" smtClean="0"/>
+              <a:rPr lang="en-US"/>
               <a:t>Fifth level</a:t>
             </a:r>
-            <a:endParaRPr lang="en-US"/>
           </a:p>
         </p:txBody>
       </p:sp>
@@ -2933,7 +2927,7 @@
             <a:fld id="{1D8BD707-D9CF-40AE-B4C6-C98DA3205C09}" type="datetimeFigureOut">
               <a:rPr lang="en-US" smtClean="0"/>
               <a:pPr/>
-              <a:t>12/1/2016</a:t>
+              <a:t>1/8/2017</a:t>
             </a:fld>
             <a:endParaRPr lang="en-US"/>
           </a:p>
@@ -3032,10 +3026,9 @@
           </a:lstStyle>
           <a:p>
             <a:r>
-              <a:rPr lang="en-US" smtClean="0"/>
+              <a:rPr lang="en-US"/>
               <a:t>Click to edit Master title style</a:t>
             </a:r>
-            <a:endParaRPr lang="en-US"/>
           </a:p>
         </p:txBody>
       </p:sp>
@@ -3159,7 +3152,7 @@
           <a:p>
             <a:pPr lvl="0"/>
             <a:r>
-              <a:rPr lang="en-US" smtClean="0"/>
+              <a:rPr lang="en-US"/>
               <a:t>Click to edit Master text styles</a:t>
             </a:r>
           </a:p>
@@ -3189,7 +3182,7 @@
                 </a:solidFill>
               </a:rPr>
               <a:pPr/>
-              <a:t>12/1/2016</a:t>
+              <a:t>1/8/2017</a:t>
             </a:fld>
             <a:endParaRPr lang="en-US">
               <a:solidFill>
@@ -3308,10 +3301,9 @@
           <a:lstStyle/>
           <a:p>
             <a:r>
-              <a:rPr lang="en-US" smtClean="0"/>
+              <a:rPr lang="en-US"/>
               <a:t>Click to edit Master title style</a:t>
             </a:r>
-            <a:endParaRPr lang="en-US"/>
           </a:p>
         </p:txBody>
       </p:sp>
@@ -3332,38 +3324,37 @@
           <a:p>
             <a:pPr lvl="0"/>
             <a:r>
-              <a:rPr lang="en-US" smtClean="0"/>
+              <a:rPr lang="en-US"/>
               <a:t>Click to edit Master text styles</a:t>
             </a:r>
           </a:p>
           <a:p>
             <a:pPr lvl="1"/>
             <a:r>
-              <a:rPr lang="en-US" smtClean="0"/>
+              <a:rPr lang="en-US"/>
               <a:t>Second level</a:t>
             </a:r>
           </a:p>
           <a:p>
             <a:pPr lvl="2"/>
             <a:r>
-              <a:rPr lang="en-US" smtClean="0"/>
+              <a:rPr lang="en-US"/>
               <a:t>Third level</a:t>
             </a:r>
           </a:p>
           <a:p>
             <a:pPr lvl="3"/>
             <a:r>
-              <a:rPr lang="en-US" smtClean="0"/>
+              <a:rPr lang="en-US"/>
               <a:t>Fourth level</a:t>
             </a:r>
           </a:p>
           <a:p>
             <a:pPr lvl="4"/>
             <a:r>
-              <a:rPr lang="en-US" smtClean="0"/>
+              <a:rPr lang="en-US"/>
               <a:t>Fifth level</a:t>
             </a:r>
-            <a:endParaRPr lang="en-US"/>
           </a:p>
         </p:txBody>
       </p:sp>
@@ -3391,7 +3382,7 @@
                 </a:solidFill>
               </a:rPr>
               <a:pPr/>
-              <a:t>12/1/2016</a:t>
+              <a:t>1/8/2017</a:t>
             </a:fld>
             <a:endParaRPr lang="en-US">
               <a:solidFill>
@@ -3515,10 +3506,9 @@
           <a:lstStyle/>
           <a:p>
             <a:r>
-              <a:rPr lang="en-US" smtClean="0"/>
+              <a:rPr lang="en-US"/>
               <a:t>Click to edit Master title style</a:t>
             </a:r>
-            <a:endParaRPr lang="en-US"/>
           </a:p>
         </p:txBody>
       </p:sp>
@@ -3544,38 +3534,37 @@
           <a:p>
             <a:pPr lvl="0"/>
             <a:r>
-              <a:rPr lang="en-US" smtClean="0"/>
+              <a:rPr lang="en-US"/>
               <a:t>Click to edit Master text styles</a:t>
             </a:r>
           </a:p>
           <a:p>
             <a:pPr lvl="1"/>
             <a:r>
-              <a:rPr lang="en-US" smtClean="0"/>
+              <a:rPr lang="en-US"/>
               <a:t>Second level</a:t>
             </a:r>
           </a:p>
           <a:p>
             <a:pPr lvl="2"/>
             <a:r>
-              <a:rPr lang="en-US" smtClean="0"/>
+              <a:rPr lang="en-US"/>
               <a:t>Third level</a:t>
             </a:r>
           </a:p>
           <a:p>
             <a:pPr lvl="3"/>
             <a:r>
-              <a:rPr lang="en-US" smtClean="0"/>
+              <a:rPr lang="en-US"/>
               <a:t>Fourth level</a:t>
             </a:r>
           </a:p>
           <a:p>
             <a:pPr lvl="4"/>
             <a:r>
-              <a:rPr lang="en-US" smtClean="0"/>
+              <a:rPr lang="en-US"/>
               <a:t>Fifth level</a:t>
             </a:r>
-            <a:endParaRPr lang="en-US"/>
           </a:p>
         </p:txBody>
       </p:sp>
@@ -3603,7 +3592,7 @@
                 </a:solidFill>
               </a:rPr>
               <a:pPr/>
-              <a:t>12/1/2016</a:t>
+              <a:t>1/8/2017</a:t>
             </a:fld>
             <a:endParaRPr lang="en-US">
               <a:solidFill>
@@ -3731,10 +3720,9 @@
           </a:lstStyle>
           <a:p>
             <a:r>
-              <a:rPr lang="en-US" smtClean="0"/>
+              <a:rPr lang="en-US"/>
               <a:t>Click to edit Master title style</a:t>
             </a:r>
-            <a:endParaRPr lang="en-US"/>
           </a:p>
         </p:txBody>
       </p:sp>
@@ -3851,7 +3839,7 @@
           <a:p>
             <a:pPr lvl="0"/>
             <a:r>
-              <a:rPr lang="en-US" smtClean="0"/>
+              <a:rPr lang="en-US"/>
               <a:t>Click to edit Master text styles</a:t>
             </a:r>
           </a:p>
@@ -3875,7 +3863,7 @@
             <a:fld id="{1D8BD707-D9CF-40AE-B4C6-C98DA3205C09}" type="datetimeFigureOut">
               <a:rPr lang="en-US" smtClean="0"/>
               <a:pPr/>
-              <a:t>12/1/2016</a:t>
+              <a:t>1/8/2017</a:t>
             </a:fld>
             <a:endParaRPr lang="en-US"/>
           </a:p>
@@ -3965,10 +3953,9 @@
           <a:lstStyle/>
           <a:p>
             <a:r>
-              <a:rPr lang="en-US" smtClean="0"/>
+              <a:rPr lang="en-US"/>
               <a:t>Click to edit Master title style</a:t>
             </a:r>
-            <a:endParaRPr lang="en-US"/>
           </a:p>
         </p:txBody>
       </p:sp>
@@ -4022,38 +4009,37 @@
           <a:p>
             <a:pPr lvl="0"/>
             <a:r>
-              <a:rPr lang="en-US" smtClean="0"/>
+              <a:rPr lang="en-US"/>
               <a:t>Click to edit Master text styles</a:t>
             </a:r>
           </a:p>
           <a:p>
             <a:pPr lvl="1"/>
             <a:r>
-              <a:rPr lang="en-US" smtClean="0"/>
+              <a:rPr lang="en-US"/>
               <a:t>Second level</a:t>
             </a:r>
           </a:p>
           <a:p>
             <a:pPr lvl="2"/>
             <a:r>
-              <a:rPr lang="en-US" smtClean="0"/>
+              <a:rPr lang="en-US"/>
               <a:t>Third level</a:t>
             </a:r>
           </a:p>
           <a:p>
             <a:pPr lvl="3"/>
             <a:r>
-              <a:rPr lang="en-US" smtClean="0"/>
+              <a:rPr lang="en-US"/>
               <a:t>Fourth level</a:t>
             </a:r>
           </a:p>
           <a:p>
             <a:pPr lvl="4"/>
             <a:r>
-              <a:rPr lang="en-US" smtClean="0"/>
+              <a:rPr lang="en-US"/>
               <a:t>Fifth level</a:t>
             </a:r>
-            <a:endParaRPr lang="en-US"/>
           </a:p>
         </p:txBody>
       </p:sp>
@@ -4107,38 +4093,37 @@
           <a:p>
             <a:pPr lvl="0"/>
             <a:r>
-              <a:rPr lang="en-US" smtClean="0"/>
+              <a:rPr lang="en-US"/>
               <a:t>Click to edit Master text styles</a:t>
             </a:r>
           </a:p>
           <a:p>
             <a:pPr lvl="1"/>
             <a:r>
-              <a:rPr lang="en-US" smtClean="0"/>
+              <a:rPr lang="en-US"/>
               <a:t>Second level</a:t>
             </a:r>
           </a:p>
           <a:p>
             <a:pPr lvl="2"/>
             <a:r>
-              <a:rPr lang="en-US" smtClean="0"/>
+              <a:rPr lang="en-US"/>
               <a:t>Third level</a:t>
             </a:r>
           </a:p>
           <a:p>
             <a:pPr lvl="3"/>
             <a:r>
-              <a:rPr lang="en-US" smtClean="0"/>
+              <a:rPr lang="en-US"/>
               <a:t>Fourth level</a:t>
             </a:r>
           </a:p>
           <a:p>
             <a:pPr lvl="4"/>
             <a:r>
-              <a:rPr lang="en-US" smtClean="0"/>
+              <a:rPr lang="en-US"/>
               <a:t>Fifth level</a:t>
             </a:r>
-            <a:endParaRPr lang="en-US"/>
           </a:p>
         </p:txBody>
       </p:sp>
@@ -4160,7 +4145,7 @@
             <a:fld id="{1D8BD707-D9CF-40AE-B4C6-C98DA3205C09}" type="datetimeFigureOut">
               <a:rPr lang="en-US" smtClean="0"/>
               <a:pPr/>
-              <a:t>12/1/2016</a:t>
+              <a:t>1/8/2017</a:t>
             </a:fld>
             <a:endParaRPr lang="en-US"/>
           </a:p>
@@ -4254,10 +4239,9 @@
           </a:lstStyle>
           <a:p>
             <a:r>
-              <a:rPr lang="en-US" smtClean="0"/>
+              <a:rPr lang="en-US"/>
               <a:t>Click to edit Master title style</a:t>
             </a:r>
-            <a:endParaRPr lang="en-US"/>
           </a:p>
         </p:txBody>
       </p:sp>
@@ -4320,7 +4304,7 @@
           <a:p>
             <a:pPr lvl="0"/>
             <a:r>
-              <a:rPr lang="en-US" smtClean="0"/>
+              <a:rPr lang="en-US"/>
               <a:t>Click to edit Master text styles</a:t>
             </a:r>
           </a:p>
@@ -4376,38 +4360,37 @@
           <a:p>
             <a:pPr lvl="0"/>
             <a:r>
-              <a:rPr lang="en-US" smtClean="0"/>
+              <a:rPr lang="en-US"/>
               <a:t>Click to edit Master text styles</a:t>
             </a:r>
           </a:p>
           <a:p>
             <a:pPr lvl="1"/>
             <a:r>
-              <a:rPr lang="en-US" smtClean="0"/>
+              <a:rPr lang="en-US"/>
               <a:t>Second level</a:t>
             </a:r>
           </a:p>
           <a:p>
             <a:pPr lvl="2"/>
             <a:r>
-              <a:rPr lang="en-US" smtClean="0"/>
+              <a:rPr lang="en-US"/>
               <a:t>Third level</a:t>
             </a:r>
           </a:p>
           <a:p>
             <a:pPr lvl="3"/>
             <a:r>
-              <a:rPr lang="en-US" smtClean="0"/>
+              <a:rPr lang="en-US"/>
               <a:t>Fourth level</a:t>
             </a:r>
           </a:p>
           <a:p>
             <a:pPr lvl="4"/>
             <a:r>
-              <a:rPr lang="en-US" smtClean="0"/>
+              <a:rPr lang="en-US"/>
               <a:t>Fifth level</a:t>
             </a:r>
-            <a:endParaRPr lang="en-US"/>
           </a:p>
         </p:txBody>
       </p:sp>
@@ -4470,7 +4453,7 @@
           <a:p>
             <a:pPr lvl="0"/>
             <a:r>
-              <a:rPr lang="en-US" smtClean="0"/>
+              <a:rPr lang="en-US"/>
               <a:t>Click to edit Master text styles</a:t>
             </a:r>
           </a:p>
@@ -4526,38 +4509,37 @@
           <a:p>
             <a:pPr lvl="0"/>
             <a:r>
-              <a:rPr lang="en-US" smtClean="0"/>
+              <a:rPr lang="en-US"/>
               <a:t>Click to edit Master text styles</a:t>
             </a:r>
           </a:p>
           <a:p>
             <a:pPr lvl="1"/>
             <a:r>
-              <a:rPr lang="en-US" smtClean="0"/>
+              <a:rPr lang="en-US"/>
               <a:t>Second level</a:t>
             </a:r>
           </a:p>
           <a:p>
             <a:pPr lvl="2"/>
             <a:r>
-              <a:rPr lang="en-US" smtClean="0"/>
+              <a:rPr lang="en-US"/>
               <a:t>Third level</a:t>
             </a:r>
           </a:p>
           <a:p>
             <a:pPr lvl="3"/>
             <a:r>
-              <a:rPr lang="en-US" smtClean="0"/>
+              <a:rPr lang="en-US"/>
               <a:t>Fourth level</a:t>
             </a:r>
           </a:p>
           <a:p>
             <a:pPr lvl="4"/>
             <a:r>
-              <a:rPr lang="en-US" smtClean="0"/>
+              <a:rPr lang="en-US"/>
               <a:t>Fifth level</a:t>
             </a:r>
-            <a:endParaRPr lang="en-US"/>
           </a:p>
         </p:txBody>
       </p:sp>
@@ -4579,7 +4561,7 @@
             <a:fld id="{1D8BD707-D9CF-40AE-B4C6-C98DA3205C09}" type="datetimeFigureOut">
               <a:rPr lang="en-US" smtClean="0"/>
               <a:pPr/>
-              <a:t>12/1/2016</a:t>
+              <a:t>1/8/2017</a:t>
             </a:fld>
             <a:endParaRPr lang="en-US"/>
           </a:p>
@@ -4669,10 +4651,9 @@
           <a:lstStyle/>
           <a:p>
             <a:r>
-              <a:rPr lang="en-US" smtClean="0"/>
+              <a:rPr lang="en-US"/>
               <a:t>Click to edit Master title style</a:t>
             </a:r>
-            <a:endParaRPr lang="en-US"/>
           </a:p>
         </p:txBody>
       </p:sp>
@@ -4694,7 +4675,7 @@
             <a:fld id="{1D8BD707-D9CF-40AE-B4C6-C98DA3205C09}" type="datetimeFigureOut">
               <a:rPr lang="en-US" smtClean="0"/>
               <a:pPr/>
-              <a:t>12/1/2016</a:t>
+              <a:t>1/8/2017</a:t>
             </a:fld>
             <a:endParaRPr lang="en-US"/>
           </a:p>
@@ -4786,7 +4767,7 @@
             <a:fld id="{1D8BD707-D9CF-40AE-B4C6-C98DA3205C09}" type="datetimeFigureOut">
               <a:rPr lang="en-US" smtClean="0"/>
               <a:pPr/>
-              <a:t>12/1/2016</a:t>
+              <a:t>1/8/2017</a:t>
             </a:fld>
             <a:endParaRPr lang="en-US"/>
           </a:p>
@@ -4885,10 +4866,9 @@
           </a:lstStyle>
           <a:p>
             <a:r>
-              <a:rPr lang="en-US" smtClean="0"/>
+              <a:rPr lang="en-US"/>
               <a:t>Click to edit Master title style</a:t>
             </a:r>
-            <a:endParaRPr lang="en-US"/>
           </a:p>
         </p:txBody>
       </p:sp>
@@ -4942,38 +4922,37 @@
           <a:p>
             <a:pPr lvl="0"/>
             <a:r>
-              <a:rPr lang="en-US" smtClean="0"/>
+              <a:rPr lang="en-US"/>
               <a:t>Click to edit Master text styles</a:t>
             </a:r>
           </a:p>
           <a:p>
             <a:pPr lvl="1"/>
             <a:r>
-              <a:rPr lang="en-US" smtClean="0"/>
+              <a:rPr lang="en-US"/>
               <a:t>Second level</a:t>
             </a:r>
           </a:p>
           <a:p>
             <a:pPr lvl="2"/>
             <a:r>
-              <a:rPr lang="en-US" smtClean="0"/>
+              <a:rPr lang="en-US"/>
               <a:t>Third level</a:t>
             </a:r>
           </a:p>
           <a:p>
             <a:pPr lvl="3"/>
             <a:r>
-              <a:rPr lang="en-US" smtClean="0"/>
+              <a:rPr lang="en-US"/>
               <a:t>Fourth level</a:t>
             </a:r>
           </a:p>
           <a:p>
             <a:pPr lvl="4"/>
             <a:r>
-              <a:rPr lang="en-US" smtClean="0"/>
+              <a:rPr lang="en-US"/>
               <a:t>Fifth level</a:t>
             </a:r>
-            <a:endParaRPr lang="en-US"/>
           </a:p>
         </p:txBody>
       </p:sp>
@@ -5036,7 +5015,7 @@
           <a:p>
             <a:pPr lvl="0"/>
             <a:r>
-              <a:rPr lang="en-US" smtClean="0"/>
+              <a:rPr lang="en-US"/>
               <a:t>Click to edit Master text styles</a:t>
             </a:r>
           </a:p>
@@ -5060,7 +5039,7 @@
             <a:fld id="{1D8BD707-D9CF-40AE-B4C6-C98DA3205C09}" type="datetimeFigureOut">
               <a:rPr lang="en-US" smtClean="0"/>
               <a:pPr/>
-              <a:t>12/1/2016</a:t>
+              <a:t>1/8/2017</a:t>
             </a:fld>
             <a:endParaRPr lang="en-US"/>
           </a:p>
@@ -5159,10 +5138,9 @@
           </a:lstStyle>
           <a:p>
             <a:r>
-              <a:rPr lang="en-US" smtClean="0"/>
+              <a:rPr lang="en-US"/>
               <a:t>Click to edit Master title style</a:t>
             </a:r>
-            <a:endParaRPr lang="en-US"/>
           </a:p>
         </p:txBody>
       </p:sp>
@@ -5286,7 +5264,7 @@
           <a:p>
             <a:pPr lvl="0"/>
             <a:r>
-              <a:rPr lang="en-US" smtClean="0"/>
+              <a:rPr lang="en-US"/>
               <a:t>Click to edit Master text styles</a:t>
             </a:r>
           </a:p>
@@ -5310,7 +5288,7 @@
             <a:fld id="{1D8BD707-D9CF-40AE-B4C6-C98DA3205C09}" type="datetimeFigureOut">
               <a:rPr lang="en-US" smtClean="0"/>
               <a:pPr/>
-              <a:t>12/1/2016</a:t>
+              <a:t>1/8/2017</a:t>
             </a:fld>
             <a:endParaRPr lang="en-US"/>
           </a:p>
@@ -5415,10 +5393,9 @@
           <a:lstStyle/>
           <a:p>
             <a:r>
-              <a:rPr lang="en-US" smtClean="0"/>
+              <a:rPr lang="en-US"/>
               <a:t>Click to edit Master title style</a:t>
             </a:r>
-            <a:endParaRPr lang="en-US"/>
           </a:p>
         </p:txBody>
       </p:sp>
@@ -5449,38 +5426,37 @@
           <a:p>
             <a:pPr lvl="0"/>
             <a:r>
-              <a:rPr lang="en-US" smtClean="0"/>
+              <a:rPr lang="en-US"/>
               <a:t>Click to edit Master text styles</a:t>
             </a:r>
           </a:p>
           <a:p>
             <a:pPr lvl="1"/>
             <a:r>
-              <a:rPr lang="en-US" smtClean="0"/>
+              <a:rPr lang="en-US"/>
               <a:t>Second level</a:t>
             </a:r>
           </a:p>
           <a:p>
             <a:pPr lvl="2"/>
             <a:r>
-              <a:rPr lang="en-US" smtClean="0"/>
+              <a:rPr lang="en-US"/>
               <a:t>Third level</a:t>
             </a:r>
           </a:p>
           <a:p>
             <a:pPr lvl="3"/>
             <a:r>
-              <a:rPr lang="en-US" smtClean="0"/>
+              <a:rPr lang="en-US"/>
               <a:t>Fourth level</a:t>
             </a:r>
           </a:p>
           <a:p>
             <a:pPr lvl="4"/>
             <a:r>
-              <a:rPr lang="en-US" smtClean="0"/>
+              <a:rPr lang="en-US"/>
               <a:t>Fifth level</a:t>
             </a:r>
-            <a:endParaRPr lang="en-US"/>
           </a:p>
         </p:txBody>
       </p:sp>
@@ -5520,7 +5496,7 @@
             <a:fld id="{1D8BD707-D9CF-40AE-B4C6-C98DA3205C09}" type="datetimeFigureOut">
               <a:rPr lang="en-US" smtClean="0"/>
               <a:pPr/>
-              <a:t>12/1/2016</a:t>
+              <a:t>1/8/2017</a:t>
             </a:fld>
             <a:endParaRPr lang="en-US"/>
           </a:p>
@@ -5922,10 +5898,9 @@
           <a:lstStyle/>
           <a:p>
             <a:r>
-              <a:rPr lang="en-US" smtClean="0"/>
+              <a:rPr lang="en-US"/>
               <a:t>Click to edit Master title style</a:t>
             </a:r>
-            <a:endParaRPr lang="en-US"/>
           </a:p>
         </p:txBody>
       </p:sp>
@@ -5956,38 +5931,37 @@
           <a:p>
             <a:pPr lvl="0"/>
             <a:r>
-              <a:rPr lang="en-US" smtClean="0"/>
+              <a:rPr lang="en-US"/>
               <a:t>Click to edit Master text styles</a:t>
             </a:r>
           </a:p>
           <a:p>
             <a:pPr lvl="1"/>
             <a:r>
-              <a:rPr lang="en-US" smtClean="0"/>
+              <a:rPr lang="en-US"/>
               <a:t>Second level</a:t>
             </a:r>
           </a:p>
           <a:p>
             <a:pPr lvl="2"/>
             <a:r>
-              <a:rPr lang="en-US" smtClean="0"/>
+              <a:rPr lang="en-US"/>
               <a:t>Third level</a:t>
             </a:r>
           </a:p>
           <a:p>
             <a:pPr lvl="3"/>
             <a:r>
-              <a:rPr lang="en-US" smtClean="0"/>
+              <a:rPr lang="en-US"/>
               <a:t>Fourth level</a:t>
             </a:r>
           </a:p>
           <a:p>
             <a:pPr lvl="4"/>
             <a:r>
-              <a:rPr lang="en-US" smtClean="0"/>
+              <a:rPr lang="en-US"/>
               <a:t>Fifth level</a:t>
             </a:r>
-            <a:endParaRPr lang="en-US"/>
           </a:p>
         </p:txBody>
       </p:sp>
@@ -6033,7 +6007,7 @@
                 </a:solidFill>
               </a:rPr>
               <a:pPr/>
-              <a:t>12/1/2016</a:t>
+              <a:t>1/8/2017</a:t>
             </a:fld>
             <a:endParaRPr lang="en-US">
               <a:solidFill>
@@ -6451,10 +6425,9 @@
           <a:lstStyle/>
           <a:p>
             <a:r>
-              <a:rPr lang="en-US" sz="7200" dirty="0" smtClean="0"/>
+              <a:rPr lang="en-US" sz="7200" dirty="0"/>
               <a:t>Neural Network</a:t>
             </a:r>
-            <a:endParaRPr lang="en-US" sz="7200" dirty="0"/>
           </a:p>
         </p:txBody>
       </p:sp>
@@ -6485,17 +6458,17 @@
               <a:buChar char="-"/>
             </a:pPr>
             <a:r>
-              <a:rPr lang="en-US" dirty="0" err="1" smtClean="0"/>
+              <a:rPr lang="en-US" dirty="0" err="1"/>
               <a:t>Shreenidhi</a:t>
             </a:r>
             <a:r>
-              <a:rPr lang="en-US" dirty="0" smtClean="0"/>
+              <a:rPr lang="en-US" dirty="0"/>
               <a:t> S</a:t>
             </a:r>
           </a:p>
           <a:p>
             <a:r>
-              <a:rPr lang="en-US" dirty="0" smtClean="0"/>
+              <a:rPr lang="en-US" dirty="0"/>
               <a:t>   Fall 2016</a:t>
             </a:r>
           </a:p>
@@ -6511,13 +6484,6 @@
   <p:clrMapOvr>
     <a:masterClrMapping/>
   </p:clrMapOvr>
-  <p:timing>
-    <p:tnLst>
-      <p:par>
-        <p:cTn id="1" dur="indefinite" restart="never" nodeType="tmRoot"/>
-      </p:par>
-    </p:tnLst>
-  </p:timing>
 </p:sld>
 </file>
 
@@ -6554,10 +6520,9 @@
           <a:lstStyle/>
           <a:p>
             <a:r>
-              <a:rPr lang="en-US" dirty="0" smtClean="0"/>
+              <a:rPr lang="en-US" dirty="0"/>
               <a:t>Stopping Criterion</a:t>
             </a:r>
-            <a:endParaRPr lang="en-US" dirty="0"/>
           </a:p>
         </p:txBody>
       </p:sp>
@@ -6579,20 +6544,20 @@
               <a:lstStyle/>
               <a:p>
                 <a:r>
-                  <a:rPr lang="en-US" dirty="0" smtClean="0"/>
+                  <a:rPr lang="en-US" dirty="0"/>
                   <a:t>Number of iterations</a:t>
                 </a:r>
               </a:p>
               <a:p>
                 <a:r>
-                  <a:rPr lang="en-US" dirty="0" smtClean="0"/>
+                  <a:rPr lang="en-US" dirty="0"/>
                   <a:t>Error &lt; Threshold Error</a:t>
                 </a:r>
               </a:p>
               <a:p>
                 <a:pPr lvl="1"/>
                 <a:r>
-                  <a:rPr lang="en-US" dirty="0" smtClean="0"/>
+                  <a:rPr lang="en-US" dirty="0"/>
                   <a:t>Threshold Error = </a:t>
                 </a:r>
                 <a14:m>
@@ -6607,7 +6572,7 @@
                       <m:fPr>
                         <m:ctrlPr>
                           <a:rPr lang="en-US" b="0" i="1" smtClean="0">
-                            <a:latin typeface="Cambria Math"/>
+                            <a:latin typeface="Cambria Math" panose="02040503050406030204" pitchFamily="18" charset="0"/>
                           </a:rPr>
                         </m:ctrlPr>
                       </m:fPr>
@@ -6648,7 +6613,7 @@
                         <m:chr m:val="∑"/>
                         <m:ctrlPr>
                           <a:rPr lang="en-US" i="1" smtClean="0">
-                            <a:latin typeface="Cambria Math"/>
+                            <a:latin typeface="Cambria Math" panose="02040503050406030204" pitchFamily="18" charset="0"/>
                           </a:rPr>
                         </m:ctrlPr>
                       </m:naryPr>
@@ -6697,7 +6662,7 @@
                           <m:sSupPr>
                             <m:ctrlPr>
                               <a:rPr lang="en-US" b="0" i="1" smtClean="0">
-                                <a:latin typeface="Cambria Math"/>
+                                <a:latin typeface="Cambria Math" panose="02040503050406030204" pitchFamily="18" charset="0"/>
                               </a:rPr>
                             </m:ctrlPr>
                           </m:sSupPr>
@@ -6746,14 +6711,14 @@
                     </m:nary>
                   </m:oMath>
                 </a14:m>
-                <a:endParaRPr lang="en-US" dirty="0" smtClean="0"/>
+                <a:endParaRPr lang="en-US" dirty="0"/>
               </a:p>
               <a:p>
                 <a:pPr marL="914400" lvl="2" indent="0">
                   <a:buNone/>
                 </a:pPr>
                 <a:r>
-                  <a:rPr lang="en-US" dirty="0" smtClean="0"/>
+                  <a:rPr lang="en-US" dirty="0"/>
                   <a:t>where</a:t>
                 </a:r>
               </a:p>
@@ -6763,11 +6728,7 @@
                 </a:pPr>
                 <a:r>
                   <a:rPr lang="en-US" dirty="0"/>
-                  <a:t>	</a:t>
-                </a:r>
-                <a:r>
-                  <a:rPr lang="en-US" dirty="0" smtClean="0"/>
-                  <a:t># of outputs			n</a:t>
+                  <a:t>	# of outputs			n</a:t>
                 </a:r>
               </a:p>
               <a:p>
@@ -6776,11 +6737,7 @@
                 </a:pPr>
                 <a:r>
                   <a:rPr lang="en-US" dirty="0"/>
-                  <a:t>	</a:t>
-                </a:r>
-                <a:r>
-                  <a:rPr lang="en-US" dirty="0" smtClean="0"/>
-                  <a:t># of training examples		m</a:t>
+                  <a:t>	# of training examples		m</a:t>
                 </a:r>
               </a:p>
               <a:p>
@@ -6789,15 +6746,7 @@
                 </a:pPr>
                 <a:r>
                   <a:rPr lang="en-US" dirty="0"/>
-                  <a:t>	</a:t>
-                </a:r>
-                <a:r>
-                  <a:rPr lang="en-US" dirty="0" smtClean="0"/>
-                  <a:t>actual output			</a:t>
-                </a:r>
-                <a:r>
-                  <a:rPr lang="en-US" dirty="0"/>
-                  <a:t> </a:t>
+                  <a:t>	actual output			 </a:t>
                 </a:r>
                 <a:r>
                   <a:rPr lang="en-US" dirty="0" err="1"/>
@@ -6811,7 +6760,6 @@
                   <a:rPr lang="en-US" dirty="0"/>
                   <a:t> </a:t>
                 </a:r>
-                <a:endParaRPr lang="en-US" dirty="0" smtClean="0"/>
               </a:p>
               <a:p>
                 <a:pPr marL="914400" lvl="2" indent="0">
@@ -6819,21 +6767,12 @@
                 </a:pPr>
                 <a:r>
                   <a:rPr lang="en-US" dirty="0"/>
-                  <a:t>	</a:t>
-                </a:r>
-                <a:r>
-                  <a:rPr lang="en-US" dirty="0" smtClean="0"/>
-                  <a:t>predicted output		 p</a:t>
-                </a:r>
-                <a:r>
-                  <a:rPr lang="en-US" baseline="-25000" dirty="0" smtClean="0"/>
-                  <a:t>i </a:t>
+                  <a:t>	predicted output		 p</a:t>
                 </a:r>
                 <a:r>
                   <a:rPr lang="en-US" baseline="-25000" dirty="0"/>
-                  <a:t>		</a:t>
+                  <a:t>i 		</a:t>
                 </a:r>
-                <a:endParaRPr lang="en-US" baseline="-25000" dirty="0" smtClean="0"/>
               </a:p>
               <a:p>
                 <a:pPr lvl="2"/>
@@ -6886,13 +6825,6 @@
   <p:clrMapOvr>
     <a:masterClrMapping/>
   </p:clrMapOvr>
-  <p:timing>
-    <p:tnLst>
-      <p:par>
-        <p:cTn id="1" dur="indefinite" restart="never" nodeType="tmRoot"/>
-      </p:par>
-    </p:tnLst>
-  </p:timing>
 </p:sld>
 </file>
 
@@ -6929,14 +6861,9 @@
           <a:lstStyle/>
           <a:p>
             <a:r>
-              <a:rPr lang="en-US" dirty="0" smtClean="0"/>
-              <a:t>Local </a:t>
-            </a:r>
-            <a:r>
-              <a:rPr lang="en-US" dirty="0" smtClean="0"/>
-              <a:t>Minima</a:t>
-            </a:r>
-            <a:endParaRPr lang="en-US" dirty="0"/>
+              <a:rPr lang="en-US" dirty="0"/>
+              <a:t>Local Minima</a:t>
+            </a:r>
           </a:p>
         </p:txBody>
       </p:sp>
@@ -6979,13 +6906,6 @@
   <p:clrMapOvr>
     <a:masterClrMapping/>
   </p:clrMapOvr>
-  <p:timing>
-    <p:tnLst>
-      <p:par>
-        <p:cTn id="1" dur="indefinite" restart="never" nodeType="tmRoot"/>
-      </p:par>
-    </p:tnLst>
-  </p:timing>
 </p:sld>
 </file>
 
@@ -7022,10 +6942,9 @@
           <a:lstStyle/>
           <a:p>
             <a:r>
-              <a:rPr lang="en-US" dirty="0" smtClean="0"/>
+              <a:rPr lang="en-US" dirty="0"/>
               <a:t>Choose Learning Rate Wisely</a:t>
             </a:r>
-            <a:endParaRPr lang="en-US" dirty="0"/>
           </a:p>
         </p:txBody>
       </p:sp>
@@ -7068,13 +6987,6 @@
   <p:clrMapOvr>
     <a:masterClrMapping/>
   </p:clrMapOvr>
-  <p:timing>
-    <p:tnLst>
-      <p:par>
-        <p:cTn id="1" dur="indefinite" restart="never" nodeType="tmRoot"/>
-      </p:par>
-    </p:tnLst>
-  </p:timing>
 </p:sld>
 </file>
 
@@ -7111,10 +7023,9 @@
           <a:lstStyle/>
           <a:p>
             <a:r>
-              <a:rPr lang="en-US" dirty="0" smtClean="0"/>
+              <a:rPr lang="en-US" dirty="0"/>
               <a:t>Chosen Dataset</a:t>
             </a:r>
-            <a:endParaRPr lang="en-US" dirty="0"/>
           </a:p>
         </p:txBody>
       </p:sp>
@@ -7136,14 +7047,14 @@
           <a:lstStyle/>
           <a:p>
             <a:r>
-              <a:rPr lang="en-US" dirty="0" smtClean="0"/>
+              <a:rPr lang="en-US" dirty="0"/>
               <a:t>Iris</a:t>
             </a:r>
           </a:p>
           <a:p>
             <a:pPr lvl="1"/>
             <a:r>
-              <a:rPr lang="en-US" dirty="0" smtClean="0"/>
+              <a:rPr lang="en-US" dirty="0"/>
               <a:t>Features : 4</a:t>
             </a:r>
           </a:p>
@@ -7151,17 +7062,13 @@
             <a:pPr lvl="1"/>
             <a:r>
               <a:rPr lang="en-US" dirty="0"/>
-              <a:t>C</a:t>
-            </a:r>
-            <a:r>
-              <a:rPr lang="en-US" dirty="0" smtClean="0"/>
-              <a:t>lass Labels : 3</a:t>
+              <a:t>Class Labels : 3</a:t>
             </a:r>
           </a:p>
           <a:p>
             <a:pPr lvl="1"/>
             <a:r>
-              <a:rPr lang="en-US" dirty="0" smtClean="0"/>
+              <a:rPr lang="en-US" dirty="0"/>
               <a:t>Data Samples : 150</a:t>
             </a:r>
           </a:p>
@@ -7171,38 +7078,30 @@
           </a:p>
           <a:p>
             <a:r>
-              <a:rPr lang="en-US" dirty="0" smtClean="0"/>
+              <a:rPr lang="en-US" dirty="0"/>
               <a:t>Car Evaluation</a:t>
             </a:r>
-            <a:endParaRPr lang="en-US" dirty="0"/>
           </a:p>
           <a:p>
             <a:pPr lvl="1"/>
             <a:r>
-              <a:rPr lang="en-US" dirty="0" smtClean="0"/>
+              <a:rPr lang="en-US" dirty="0"/>
               <a:t>Features : 6</a:t>
             </a:r>
-            <a:endParaRPr lang="en-US" dirty="0"/>
           </a:p>
           <a:p>
             <a:pPr lvl="1"/>
             <a:r>
               <a:rPr lang="en-US" dirty="0"/>
-              <a:t>C</a:t>
-            </a:r>
-            <a:r>
-              <a:rPr lang="en-US" dirty="0" smtClean="0"/>
-              <a:t>lass Labels : 4</a:t>
-            </a:r>
-            <a:endParaRPr lang="en-US" dirty="0"/>
+              <a:t>Class Labels : 4</a:t>
+            </a:r>
           </a:p>
           <a:p>
             <a:pPr lvl="1"/>
             <a:r>
-              <a:rPr lang="en-US" dirty="0" smtClean="0"/>
+              <a:rPr lang="en-US" dirty="0"/>
               <a:t>Data Samples : 1728</a:t>
             </a:r>
-            <a:endParaRPr lang="en-US" dirty="0"/>
           </a:p>
           <a:p>
             <a:pPr lvl="1"/>
@@ -7220,13 +7119,6 @@
   <p:clrMapOvr>
     <a:masterClrMapping/>
   </p:clrMapOvr>
-  <p:timing>
-    <p:tnLst>
-      <p:par>
-        <p:cTn id="1" dur="indefinite" restart="never" nodeType="tmRoot"/>
-      </p:par>
-    </p:tnLst>
-  </p:timing>
 </p:sld>
 </file>
 
@@ -7263,10 +7155,9 @@
           <a:lstStyle/>
           <a:p>
             <a:r>
-              <a:rPr lang="en-US" dirty="0" smtClean="0"/>
+              <a:rPr lang="en-US" dirty="0"/>
               <a:t>Results – Batch Gradient Descent</a:t>
             </a:r>
-            <a:endParaRPr lang="en-US" dirty="0"/>
           </a:p>
         </p:txBody>
       </p:sp>
@@ -7287,10 +7178,9 @@
           <a:p>
             <a:pPr algn="ctr"/>
             <a:r>
-              <a:rPr lang="en-US" dirty="0" smtClean="0"/>
+              <a:rPr lang="en-US" dirty="0"/>
               <a:t>Iris		</a:t>
             </a:r>
-            <a:endParaRPr lang="en-US" dirty="0"/>
           </a:p>
         </p:txBody>
       </p:sp>
@@ -7311,46 +7201,45 @@
           </a:bodyPr>
           <a:lstStyle/>
           <a:p>
-            <a:endParaRPr lang="en-US" dirty="0" smtClean="0"/>
-          </a:p>
-          <a:p>
             <a:endParaRPr lang="en-US" dirty="0"/>
           </a:p>
           <a:p>
-            <a:endParaRPr lang="en-US" dirty="0" smtClean="0"/>
-          </a:p>
-          <a:p>
             <a:endParaRPr lang="en-US" dirty="0"/>
           </a:p>
           <a:p>
-            <a:endParaRPr lang="en-US" dirty="0" smtClean="0"/>
-          </a:p>
-          <a:p>
             <a:endParaRPr lang="en-US" dirty="0"/>
           </a:p>
           <a:p>
-            <a:endParaRPr lang="en-US" dirty="0" smtClean="0"/>
-          </a:p>
-          <a:p>
-            <a:r>
-              <a:rPr lang="en-US" dirty="0" smtClean="0"/>
+            <a:endParaRPr lang="en-US" dirty="0"/>
+          </a:p>
+          <a:p>
+            <a:endParaRPr lang="en-US" dirty="0"/>
+          </a:p>
+          <a:p>
+            <a:endParaRPr lang="en-US" dirty="0"/>
+          </a:p>
+          <a:p>
+            <a:endParaRPr lang="en-US" dirty="0"/>
+          </a:p>
+          <a:p>
+            <a:r>
+              <a:rPr lang="en-US" dirty="0"/>
               <a:t>Accuracy</a:t>
             </a:r>
           </a:p>
           <a:p>
             <a:pPr lvl="1"/>
             <a:r>
-              <a:rPr lang="en-US" dirty="0" smtClean="0"/>
+              <a:rPr lang="en-US" dirty="0"/>
               <a:t>Validation</a:t>
             </a:r>
           </a:p>
           <a:p>
             <a:pPr lvl="1"/>
             <a:r>
-              <a:rPr lang="en-US" dirty="0" smtClean="0"/>
+              <a:rPr lang="en-US" dirty="0"/>
               <a:t>Test</a:t>
             </a:r>
-            <a:endParaRPr lang="en-US" dirty="0"/>
           </a:p>
         </p:txBody>
       </p:sp>
@@ -7371,10 +7260,9 @@
           <a:p>
             <a:pPr algn="ctr"/>
             <a:r>
-              <a:rPr lang="en-US" dirty="0" smtClean="0"/>
+              <a:rPr lang="en-US" dirty="0"/>
               <a:t>Car Evaluation</a:t>
             </a:r>
-            <a:endParaRPr lang="en-US" dirty="0"/>
           </a:p>
         </p:txBody>
       </p:sp>
@@ -7450,13 +7338,6 @@
   <p:clrMapOvr>
     <a:masterClrMapping/>
   </p:clrMapOvr>
-  <p:timing>
-    <p:tnLst>
-      <p:par>
-        <p:cTn id="1" dur="indefinite" restart="never" nodeType="tmRoot"/>
-      </p:par>
-    </p:tnLst>
-  </p:timing>
 </p:sld>
 </file>
 
@@ -7495,18 +7376,9 @@
           <a:lstStyle/>
           <a:p>
             <a:r>
-              <a:rPr lang="en-US" dirty="0" smtClean="0"/>
-              <a:t>Results - </a:t>
-            </a:r>
-            <a:r>
               <a:rPr lang="en-US" dirty="0"/>
-              <a:t>Stochastic Gradient </a:t>
-            </a:r>
-            <a:r>
-              <a:rPr lang="en-US" dirty="0" smtClean="0"/>
-              <a:t>Descent</a:t>
-            </a:r>
-            <a:endParaRPr lang="en-US" dirty="0"/>
+              <a:t>Results - Stochastic Gradient Descent</a:t>
+            </a:r>
           </a:p>
         </p:txBody>
       </p:sp>
@@ -7527,10 +7399,9 @@
           <a:p>
             <a:pPr algn="ctr"/>
             <a:r>
-              <a:rPr lang="en-US" dirty="0" smtClean="0"/>
+              <a:rPr lang="en-US" dirty="0"/>
               <a:t>Iris		</a:t>
             </a:r>
-            <a:endParaRPr lang="en-US" dirty="0"/>
           </a:p>
         </p:txBody>
       </p:sp>
@@ -7551,46 +7422,45 @@
           </a:bodyPr>
           <a:lstStyle/>
           <a:p>
-            <a:endParaRPr lang="en-US" dirty="0" smtClean="0"/>
-          </a:p>
-          <a:p>
             <a:endParaRPr lang="en-US" dirty="0"/>
           </a:p>
           <a:p>
-            <a:endParaRPr lang="en-US" dirty="0" smtClean="0"/>
-          </a:p>
-          <a:p>
             <a:endParaRPr lang="en-US" dirty="0"/>
           </a:p>
           <a:p>
-            <a:endParaRPr lang="en-US" dirty="0" smtClean="0"/>
-          </a:p>
-          <a:p>
             <a:endParaRPr lang="en-US" dirty="0"/>
           </a:p>
           <a:p>
-            <a:endParaRPr lang="en-US" dirty="0" smtClean="0"/>
-          </a:p>
-          <a:p>
-            <a:r>
-              <a:rPr lang="en-US" dirty="0" smtClean="0"/>
+            <a:endParaRPr lang="en-US" dirty="0"/>
+          </a:p>
+          <a:p>
+            <a:endParaRPr lang="en-US" dirty="0"/>
+          </a:p>
+          <a:p>
+            <a:endParaRPr lang="en-US" dirty="0"/>
+          </a:p>
+          <a:p>
+            <a:endParaRPr lang="en-US" dirty="0"/>
+          </a:p>
+          <a:p>
+            <a:r>
+              <a:rPr lang="en-US" dirty="0"/>
               <a:t>Accuracy</a:t>
             </a:r>
           </a:p>
           <a:p>
             <a:pPr lvl="1"/>
             <a:r>
-              <a:rPr lang="en-US" dirty="0" smtClean="0"/>
+              <a:rPr lang="en-US" dirty="0"/>
               <a:t>Validation</a:t>
             </a:r>
           </a:p>
           <a:p>
             <a:pPr lvl="1"/>
             <a:r>
-              <a:rPr lang="en-US" dirty="0" smtClean="0"/>
+              <a:rPr lang="en-US" dirty="0"/>
               <a:t>Test</a:t>
             </a:r>
-            <a:endParaRPr lang="en-US" dirty="0"/>
           </a:p>
         </p:txBody>
       </p:sp>
@@ -7611,10 +7481,9 @@
           <a:p>
             <a:pPr algn="ctr"/>
             <a:r>
-              <a:rPr lang="en-US" dirty="0" smtClean="0"/>
+              <a:rPr lang="en-US" dirty="0"/>
               <a:t>Car Evaluation</a:t>
             </a:r>
-            <a:endParaRPr lang="en-US" dirty="0"/>
           </a:p>
         </p:txBody>
       </p:sp>
@@ -7690,13 +7559,6 @@
   <p:clrMapOvr>
     <a:masterClrMapping/>
   </p:clrMapOvr>
-  <p:timing>
-    <p:tnLst>
-      <p:par>
-        <p:cTn id="1" dur="indefinite" restart="never" nodeType="tmRoot"/>
-      </p:par>
-    </p:tnLst>
-  </p:timing>
 </p:sld>
 </file>
 
@@ -7736,7 +7598,6 @@
               <a:rPr lang="en-US" dirty="0"/>
               <a:t>Variable Learning Rate</a:t>
             </a:r>
-            <a:endParaRPr lang="en-US" dirty="0"/>
           </a:p>
         </p:txBody>
       </p:sp>
@@ -7794,23 +7655,7 @@
             <a:pPr algn="ctr"/>
             <a:r>
               <a:rPr lang="en-US" sz="2000" dirty="0"/>
-              <a:t>if (error &lt; 2 * T</a:t>
-            </a:r>
-            <a:r>
-              <a:rPr lang="en-US" sz="2000" dirty="0" smtClean="0"/>
-              <a:t>hreshold Error) Learning Rate </a:t>
-            </a:r>
-            <a:r>
-              <a:rPr lang="en-US" sz="2000" dirty="0"/>
-              <a:t>= 0.5 * </a:t>
-            </a:r>
-            <a:r>
-              <a:rPr lang="en-US" sz="2000" dirty="0" smtClean="0"/>
-              <a:t>Learning Rate</a:t>
-            </a:r>
-            <a:r>
-              <a:rPr lang="en-US" sz="2000" dirty="0"/>
-              <a:t>;</a:t>
+              <a:t>if (error &lt; 2 * Threshold Error) Learning Rate = 0.5 * Learning Rate;</a:t>
             </a:r>
           </a:p>
           <a:p>
@@ -7828,13 +7673,6 @@
   <p:clrMapOvr>
     <a:masterClrMapping/>
   </p:clrMapOvr>
-  <p:timing>
-    <p:tnLst>
-      <p:par>
-        <p:cTn id="1" dur="indefinite" restart="never" nodeType="tmRoot"/>
-      </p:par>
-    </p:tnLst>
-  </p:timing>
 </p:sld>
 </file>
 
@@ -7871,10 +7709,9 @@
           <a:lstStyle/>
           <a:p>
             <a:r>
-              <a:rPr lang="en-US" dirty="0" smtClean="0"/>
+              <a:rPr lang="en-US" dirty="0"/>
               <a:t>Results</a:t>
             </a:r>
-            <a:endParaRPr lang="en-US" dirty="0"/>
           </a:p>
         </p:txBody>
       </p:sp>
@@ -7914,18 +7751,13 @@
           <a:lstStyle/>
           <a:p>
             <a:r>
-              <a:rPr lang="en-US" dirty="0" smtClean="0">
+              <a:rPr lang="en-US" dirty="0">
                 <a:solidFill>
                   <a:prstClr val="black"/>
                 </a:solidFill>
               </a:rPr>
               <a:t>Iris Data Set</a:t>
             </a:r>
-            <a:endParaRPr lang="en-US" dirty="0">
-              <a:solidFill>
-                <a:prstClr val="black"/>
-              </a:solidFill>
-            </a:endParaRPr>
           </a:p>
         </p:txBody>
       </p:sp>
@@ -7965,18 +7797,13 @@
           <a:lstStyle/>
           <a:p>
             <a:r>
-              <a:rPr lang="en-US" dirty="0" smtClean="0">
+              <a:rPr lang="en-US" dirty="0">
                 <a:solidFill>
                   <a:prstClr val="black"/>
                 </a:solidFill>
               </a:rPr>
               <a:t>Car Evaluation Data Set</a:t>
             </a:r>
-            <a:endParaRPr lang="en-US" dirty="0">
-              <a:solidFill>
-                <a:prstClr val="black"/>
-              </a:solidFill>
-            </a:endParaRPr>
           </a:p>
         </p:txBody>
       </p:sp>
@@ -8006,11 +7833,41 @@
                 <a:tableStyleId>{5C22544A-7EE6-4342-B048-85BDC9FD1C3A}</a:tableStyleId>
               </a:tblPr>
               <a:tblGrid>
-                <a:gridCol w="1615103"/>
-                <a:gridCol w="1615103"/>
-                <a:gridCol w="1615103"/>
-                <a:gridCol w="1615946"/>
-                <a:gridCol w="1615946"/>
+                <a:gridCol w="1615103">
+                  <a:extLst>
+                    <a:ext uri="{9D8B030D-6E8A-4147-A177-3AD203B41FA5}">
+                      <a16:colId xmlns:a16="http://schemas.microsoft.com/office/drawing/2014/main" val="20000"/>
+                    </a:ext>
+                  </a:extLst>
+                </a:gridCol>
+                <a:gridCol w="1615103">
+                  <a:extLst>
+                    <a:ext uri="{9D8B030D-6E8A-4147-A177-3AD203B41FA5}">
+                      <a16:colId xmlns:a16="http://schemas.microsoft.com/office/drawing/2014/main" val="20001"/>
+                    </a:ext>
+                  </a:extLst>
+                </a:gridCol>
+                <a:gridCol w="1615103">
+                  <a:extLst>
+                    <a:ext uri="{9D8B030D-6E8A-4147-A177-3AD203B41FA5}">
+                      <a16:colId xmlns:a16="http://schemas.microsoft.com/office/drawing/2014/main" val="20002"/>
+                    </a:ext>
+                  </a:extLst>
+                </a:gridCol>
+                <a:gridCol w="1615946">
+                  <a:extLst>
+                    <a:ext uri="{9D8B030D-6E8A-4147-A177-3AD203B41FA5}">
+                      <a16:colId xmlns:a16="http://schemas.microsoft.com/office/drawing/2014/main" val="20003"/>
+                    </a:ext>
+                  </a:extLst>
+                </a:gridCol>
+                <a:gridCol w="1615946">
+                  <a:extLst>
+                    <a:ext uri="{9D8B030D-6E8A-4147-A177-3AD203B41FA5}">
+                      <a16:colId xmlns:a16="http://schemas.microsoft.com/office/drawing/2014/main" val="20004"/>
+                    </a:ext>
+                  </a:extLst>
+                </a:gridCol>
               </a:tblGrid>
               <a:tr h="350520">
                 <a:tc rowSpan="2">
@@ -8150,6 +8007,11 @@
                   </a:txBody>
                   <a:tcPr/>
                 </a:tc>
+                <a:extLst>
+                  <a:ext uri="{0D108BD9-81ED-4DB2-BD59-A6C34878D82A}">
+                    <a16:rowId xmlns:a16="http://schemas.microsoft.com/office/drawing/2014/main" val="10000"/>
+                  </a:ext>
+                </a:extLst>
               </a:tr>
               <a:tr h="350520">
                 <a:tc vMerge="1">
@@ -8318,6 +8180,11 @@
                     </a:solidFill>
                   </a:tcPr>
                 </a:tc>
+                <a:extLst>
+                  <a:ext uri="{0D108BD9-81ED-4DB2-BD59-A6C34878D82A}">
+                    <a16:rowId xmlns:a16="http://schemas.microsoft.com/office/drawing/2014/main" val="10001"/>
+                  </a:ext>
+                </a:extLst>
               </a:tr>
               <a:tr h="350520">
                 <a:tc>
@@ -8515,6 +8382,11 @@
                     </a:solidFill>
                   </a:tcPr>
                 </a:tc>
+                <a:extLst>
+                  <a:ext uri="{0D108BD9-81ED-4DB2-BD59-A6C34878D82A}">
+                    <a16:rowId xmlns:a16="http://schemas.microsoft.com/office/drawing/2014/main" val="10002"/>
+                  </a:ext>
+                </a:extLst>
               </a:tr>
               <a:tr h="350520">
                 <a:tc>
@@ -8712,6 +8584,11 @@
                     </a:solidFill>
                   </a:tcPr>
                 </a:tc>
+                <a:extLst>
+                  <a:ext uri="{0D108BD9-81ED-4DB2-BD59-A6C34878D82A}">
+                    <a16:rowId xmlns:a16="http://schemas.microsoft.com/office/drawing/2014/main" val="10003"/>
+                  </a:ext>
+                </a:extLst>
               </a:tr>
               <a:tr h="350520">
                 <a:tc>
@@ -8909,6 +8786,11 @@
                     </a:solidFill>
                   </a:tcPr>
                 </a:tc>
+                <a:extLst>
+                  <a:ext uri="{0D108BD9-81ED-4DB2-BD59-A6C34878D82A}">
+                    <a16:rowId xmlns:a16="http://schemas.microsoft.com/office/drawing/2014/main" val="10004"/>
+                  </a:ext>
+                </a:extLst>
               </a:tr>
             </a:tbl>
           </a:graphicData>
@@ -8939,11 +8821,41 @@
                 <a:tableStyleId>{5C22544A-7EE6-4342-B048-85BDC9FD1C3A}</a:tableStyleId>
               </a:tblPr>
               <a:tblGrid>
-                <a:gridCol w="1595710"/>
-                <a:gridCol w="1595710"/>
-                <a:gridCol w="1595710"/>
-                <a:gridCol w="1596544"/>
-                <a:gridCol w="1596544"/>
+                <a:gridCol w="1595710">
+                  <a:extLst>
+                    <a:ext uri="{9D8B030D-6E8A-4147-A177-3AD203B41FA5}">
+                      <a16:colId xmlns:a16="http://schemas.microsoft.com/office/drawing/2014/main" val="20000"/>
+                    </a:ext>
+                  </a:extLst>
+                </a:gridCol>
+                <a:gridCol w="1595710">
+                  <a:extLst>
+                    <a:ext uri="{9D8B030D-6E8A-4147-A177-3AD203B41FA5}">
+                      <a16:colId xmlns:a16="http://schemas.microsoft.com/office/drawing/2014/main" val="20001"/>
+                    </a:ext>
+                  </a:extLst>
+                </a:gridCol>
+                <a:gridCol w="1595710">
+                  <a:extLst>
+                    <a:ext uri="{9D8B030D-6E8A-4147-A177-3AD203B41FA5}">
+                      <a16:colId xmlns:a16="http://schemas.microsoft.com/office/drawing/2014/main" val="20002"/>
+                    </a:ext>
+                  </a:extLst>
+                </a:gridCol>
+                <a:gridCol w="1596544">
+                  <a:extLst>
+                    <a:ext uri="{9D8B030D-6E8A-4147-A177-3AD203B41FA5}">
+                      <a16:colId xmlns:a16="http://schemas.microsoft.com/office/drawing/2014/main" val="20003"/>
+                    </a:ext>
+                  </a:extLst>
+                </a:gridCol>
+                <a:gridCol w="1596544">
+                  <a:extLst>
+                    <a:ext uri="{9D8B030D-6E8A-4147-A177-3AD203B41FA5}">
+                      <a16:colId xmlns:a16="http://schemas.microsoft.com/office/drawing/2014/main" val="20004"/>
+                    </a:ext>
+                  </a:extLst>
+                </a:gridCol>
               </a:tblGrid>
               <a:tr h="350520">
                 <a:tc rowSpan="2">
@@ -9074,6 +8986,11 @@
                   </a:txBody>
                   <a:tcPr/>
                 </a:tc>
+                <a:extLst>
+                  <a:ext uri="{0D108BD9-81ED-4DB2-BD59-A6C34878D82A}">
+                    <a16:rowId xmlns:a16="http://schemas.microsoft.com/office/drawing/2014/main" val="10000"/>
+                  </a:ext>
+                </a:extLst>
               </a:tr>
               <a:tr h="350520">
                 <a:tc vMerge="1">
@@ -9230,6 +9147,11 @@
                     </a:solidFill>
                   </a:tcPr>
                 </a:tc>
+                <a:extLst>
+                  <a:ext uri="{0D108BD9-81ED-4DB2-BD59-A6C34878D82A}">
+                    <a16:rowId xmlns:a16="http://schemas.microsoft.com/office/drawing/2014/main" val="10001"/>
+                  </a:ext>
+                </a:extLst>
               </a:tr>
               <a:tr h="350520">
                 <a:tc>
@@ -9412,6 +9334,11 @@
                     </a:solidFill>
                   </a:tcPr>
                 </a:tc>
+                <a:extLst>
+                  <a:ext uri="{0D108BD9-81ED-4DB2-BD59-A6C34878D82A}">
+                    <a16:rowId xmlns:a16="http://schemas.microsoft.com/office/drawing/2014/main" val="10002"/>
+                  </a:ext>
+                </a:extLst>
               </a:tr>
               <a:tr h="350520">
                 <a:tc>
@@ -9594,6 +9521,11 @@
                     </a:solidFill>
                   </a:tcPr>
                 </a:tc>
+                <a:extLst>
+                  <a:ext uri="{0D108BD9-81ED-4DB2-BD59-A6C34878D82A}">
+                    <a16:rowId xmlns:a16="http://schemas.microsoft.com/office/drawing/2014/main" val="10003"/>
+                  </a:ext>
+                </a:extLst>
               </a:tr>
               <a:tr h="350520">
                 <a:tc>
@@ -9776,6 +9708,11 @@
                     </a:solidFill>
                   </a:tcPr>
                 </a:tc>
+                <a:extLst>
+                  <a:ext uri="{0D108BD9-81ED-4DB2-BD59-A6C34878D82A}">
+                    <a16:rowId xmlns:a16="http://schemas.microsoft.com/office/drawing/2014/main" val="10004"/>
+                  </a:ext>
+                </a:extLst>
               </a:tr>
             </a:tbl>
           </a:graphicData>
@@ -9791,13 +9728,6 @@
   <p:clrMapOvr>
     <a:masterClrMapping/>
   </p:clrMapOvr>
-  <p:timing>
-    <p:tnLst>
-      <p:par>
-        <p:cTn id="1" dur="indefinite" restart="never" nodeType="tmRoot"/>
-      </p:par>
-    </p:tnLst>
-  </p:timing>
 </p:sld>
 </file>
 
@@ -9834,10 +9764,9 @@
           <a:lstStyle/>
           <a:p>
             <a:r>
-              <a:rPr lang="en-US" dirty="0" smtClean="0"/>
+              <a:rPr lang="en-US" dirty="0"/>
               <a:t>Conclusion</a:t>
             </a:r>
-            <a:endParaRPr lang="en-US" dirty="0"/>
           </a:p>
         </p:txBody>
       </p:sp>
@@ -9851,13 +9780,6 @@
   <p:clrMapOvr>
     <a:masterClrMapping/>
   </p:clrMapOvr>
-  <p:timing>
-    <p:tnLst>
-      <p:par>
-        <p:cTn id="1" dur="indefinite" restart="never" nodeType="tmRoot"/>
-      </p:par>
-    </p:tnLst>
-  </p:timing>
 </p:sld>
 </file>
 
@@ -9901,10 +9823,9 @@
           <a:lstStyle/>
           <a:p>
             <a:r>
-              <a:rPr lang="en-US" sz="7200" dirty="0" smtClean="0"/>
+              <a:rPr lang="en-US" sz="7200" dirty="0"/>
               <a:t>Thank You</a:t>
             </a:r>
-            <a:endParaRPr lang="en-US" sz="7200" dirty="0"/>
           </a:p>
         </p:txBody>
       </p:sp>
@@ -9918,13 +9839,6 @@
   <p:clrMapOvr>
     <a:masterClrMapping/>
   </p:clrMapOvr>
-  <p:timing>
-    <p:tnLst>
-      <p:par>
-        <p:cTn id="1" dur="indefinite" restart="never" nodeType="tmRoot"/>
-      </p:par>
-    </p:tnLst>
-  </p:timing>
 </p:sld>
 </file>
 
@@ -9961,10 +9875,9 @@
           <a:lstStyle/>
           <a:p>
             <a:r>
-              <a:rPr lang="en-US" dirty="0" smtClean="0"/>
+              <a:rPr lang="en-US" dirty="0"/>
               <a:t>Introduction</a:t>
             </a:r>
-            <a:endParaRPr lang="en-US" dirty="0"/>
           </a:p>
         </p:txBody>
       </p:sp>
@@ -9989,37 +9902,36 @@
           <a:lstStyle/>
           <a:p>
             <a:r>
-              <a:rPr lang="en-US" dirty="0" smtClean="0"/>
+              <a:rPr lang="en-US" dirty="0"/>
               <a:t>Supervised Learning Algorithm</a:t>
             </a:r>
           </a:p>
           <a:p>
-            <a:endParaRPr lang="en-US" dirty="0" smtClean="0"/>
-          </a:p>
-          <a:p>
-            <a:r>
-              <a:rPr lang="en-US" dirty="0" smtClean="0"/>
+            <a:endParaRPr lang="en-US" dirty="0"/>
+          </a:p>
+          <a:p>
+            <a:r>
+              <a:rPr lang="en-US" dirty="0"/>
               <a:t>Classification and Regression</a:t>
             </a:r>
           </a:p>
           <a:p>
-            <a:endParaRPr lang="en-US" dirty="0" smtClean="0"/>
-          </a:p>
-          <a:p>
-            <a:r>
-              <a:rPr lang="en-US" dirty="0" smtClean="0"/>
+            <a:endParaRPr lang="en-US" dirty="0"/>
+          </a:p>
+          <a:p>
+            <a:r>
+              <a:rPr lang="en-US" dirty="0"/>
               <a:t>High Prediction Accuracy</a:t>
             </a:r>
           </a:p>
           <a:p>
-            <a:endParaRPr lang="en-US" dirty="0" smtClean="0"/>
-          </a:p>
-          <a:p>
-            <a:r>
-              <a:rPr lang="en-US" dirty="0" smtClean="0"/>
+            <a:endParaRPr lang="en-US" dirty="0"/>
+          </a:p>
+          <a:p>
+            <a:r>
+              <a:rPr lang="en-US" dirty="0"/>
               <a:t>Deep Learning</a:t>
             </a:r>
-            <a:endParaRPr lang="en-US" dirty="0"/>
           </a:p>
         </p:txBody>
       </p:sp>
@@ -10033,13 +9945,6 @@
   <p:clrMapOvr>
     <a:masterClrMapping/>
   </p:clrMapOvr>
-  <p:timing>
-    <p:tnLst>
-      <p:par>
-        <p:cTn id="1" dur="indefinite" restart="never" nodeType="tmRoot"/>
-      </p:par>
-    </p:tnLst>
-  </p:timing>
 </p:sld>
 </file>
 
@@ -10076,10 +9981,9 @@
           <a:lstStyle/>
           <a:p>
             <a:r>
-              <a:rPr lang="en-US" dirty="0" smtClean="0"/>
+              <a:rPr lang="en-US" dirty="0"/>
               <a:t>Neural Network</a:t>
             </a:r>
-            <a:endParaRPr lang="en-US" dirty="0"/>
           </a:p>
         </p:txBody>
       </p:sp>
@@ -10190,10 +10094,9 @@
           <a:lstStyle/>
           <a:p>
             <a:r>
-              <a:rPr lang="en-US" dirty="0" smtClean="0"/>
+              <a:rPr lang="en-US" dirty="0"/>
               <a:t>Nervous System</a:t>
             </a:r>
-            <a:endParaRPr lang="en-US" dirty="0"/>
           </a:p>
         </p:txBody>
       </p:sp>
@@ -10220,10 +10123,9 @@
           <a:lstStyle/>
           <a:p>
             <a:r>
-              <a:rPr lang="en-US" dirty="0" smtClean="0"/>
+              <a:rPr lang="en-US" dirty="0"/>
               <a:t>3 Layer Neural Network</a:t>
             </a:r>
-            <a:endParaRPr lang="en-US" dirty="0"/>
           </a:p>
         </p:txBody>
       </p:sp>
@@ -10237,13 +10139,6 @@
   <p:clrMapOvr>
     <a:masterClrMapping/>
   </p:clrMapOvr>
-  <p:timing>
-    <p:tnLst>
-      <p:par>
-        <p:cTn id="1" dur="indefinite" restart="never" nodeType="tmRoot"/>
-      </p:par>
-    </p:tnLst>
-  </p:timing>
 </p:sld>
 </file>
 
@@ -10280,10 +10175,9 @@
           <a:lstStyle/>
           <a:p>
             <a:r>
-              <a:rPr lang="en-US" dirty="0" smtClean="0"/>
+              <a:rPr lang="en-US" dirty="0"/>
               <a:t>Perceptron</a:t>
             </a:r>
-            <a:endParaRPr lang="en-US" dirty="0"/>
           </a:p>
         </p:txBody>
       </p:sp>
@@ -10326,13 +10220,6 @@
   <p:clrMapOvr>
     <a:masterClrMapping/>
   </p:clrMapOvr>
-  <p:timing>
-    <p:tnLst>
-      <p:par>
-        <p:cTn id="1" dur="indefinite" restart="never" nodeType="tmRoot"/>
-      </p:par>
-    </p:tnLst>
-  </p:timing>
 </p:sld>
 </file>
 
@@ -10369,10 +10256,9 @@
           <a:lstStyle/>
           <a:p>
             <a:r>
-              <a:rPr lang="en-US" dirty="0" smtClean="0"/>
+              <a:rPr lang="en-US" dirty="0"/>
               <a:t>Failed Attempt</a:t>
             </a:r>
-            <a:endParaRPr lang="en-US" dirty="0"/>
           </a:p>
         </p:txBody>
       </p:sp>
@@ -10428,14 +10314,9 @@
           <a:lstStyle/>
           <a:p>
             <a:r>
-              <a:rPr lang="en-US" dirty="0" smtClean="0"/>
-              <a:t> [1] # of Perceptron Increases as </a:t>
-            </a:r>
-            <a:r>
-              <a:rPr lang="en-US" dirty="0" smtClean="0"/>
-              <a:t>Non-Linearity of Data Increases</a:t>
-            </a:r>
-            <a:endParaRPr lang="en-US" dirty="0"/>
+              <a:rPr lang="en-US" dirty="0"/>
+              <a:t> [1] # of Perceptron Increases as Non-Linearity of Data Increases</a:t>
+            </a:r>
           </a:p>
         </p:txBody>
       </p:sp>
@@ -10449,13 +10330,6 @@
   <p:clrMapOvr>
     <a:masterClrMapping/>
   </p:clrMapOvr>
-  <p:timing>
-    <p:tnLst>
-      <p:par>
-        <p:cTn id="1" dur="indefinite" restart="never" nodeType="tmRoot"/>
-      </p:par>
-    </p:tnLst>
-  </p:timing>
 </p:sld>
 </file>
 
@@ -10492,10 +10366,9 @@
           <a:lstStyle/>
           <a:p>
             <a:r>
-              <a:rPr lang="en-US" dirty="0" smtClean="0"/>
+              <a:rPr lang="en-US" dirty="0"/>
               <a:t>Activation Function</a:t>
             </a:r>
-            <a:endParaRPr lang="en-US" dirty="0"/>
           </a:p>
         </p:txBody>
       </p:sp>
@@ -10649,13 +10522,6 @@
   <p:clrMapOvr>
     <a:masterClrMapping/>
   </p:clrMapOvr>
-  <p:timing>
-    <p:tnLst>
-      <p:par>
-        <p:cTn id="1" dur="indefinite" restart="never" nodeType="tmRoot"/>
-      </p:par>
-    </p:tnLst>
-  </p:timing>
 </p:sld>
 </file>
 
@@ -10737,13 +10603,6 @@
   <p:clrMapOvr>
     <a:masterClrMapping/>
   </p:clrMapOvr>
-  <p:timing>
-    <p:tnLst>
-      <p:par>
-        <p:cTn id="1" dur="indefinite" restart="never" nodeType="tmRoot"/>
-      </p:par>
-    </p:tnLst>
-  </p:timing>
 </p:sld>
 </file>
 
@@ -10780,10 +10639,9 @@
           <a:lstStyle/>
           <a:p>
             <a:r>
-              <a:rPr lang="en-US" dirty="0" smtClean="0"/>
+              <a:rPr lang="en-US" dirty="0"/>
               <a:t>Back Propagation Algorithm</a:t>
             </a:r>
-            <a:endParaRPr lang="en-US" dirty="0"/>
           </a:p>
         </p:txBody>
       </p:sp>
@@ -10826,13 +10684,6 @@
   <p:clrMapOvr>
     <a:masterClrMapping/>
   </p:clrMapOvr>
-  <p:timing>
-    <p:tnLst>
-      <p:par>
-        <p:cTn id="1" dur="indefinite" restart="never" nodeType="tmRoot"/>
-      </p:par>
-    </p:tnLst>
-  </p:timing>
 </p:sld>
 </file>
 
@@ -10869,10 +10720,9 @@
           <a:lstStyle/>
           <a:p>
             <a:r>
-              <a:rPr lang="en-US" dirty="0" smtClean="0"/>
+              <a:rPr lang="en-US" dirty="0"/>
               <a:t>Gradient Descent</a:t>
             </a:r>
-            <a:endParaRPr lang="en-US" dirty="0"/>
           </a:p>
         </p:txBody>
       </p:sp>
@@ -10892,15 +10742,15 @@
           <a:lstStyle/>
           <a:p>
             <a:r>
-              <a:rPr lang="en-US" dirty="0" smtClean="0"/>
+              <a:rPr lang="en-US" dirty="0"/>
               <a:t>Batch Gradient Descent</a:t>
             </a:r>
           </a:p>
           <a:p>
             <a:pPr lvl="1"/>
             <a:r>
-              <a:rPr lang="en-US" dirty="0" smtClean="0"/>
-              <a:t>Ideal for large datasets</a:t>
+              <a:rPr lang="en-US" dirty="0"/>
+              <a:t>Ideal for small datasets</a:t>
             </a:r>
           </a:p>
           <a:p>
@@ -10914,26 +10764,26 @@
             <a:pPr marL="457200" lvl="1" indent="0">
               <a:buNone/>
             </a:pPr>
-            <a:endParaRPr lang="en-US" dirty="0" smtClean="0"/>
-          </a:p>
-          <a:p>
-            <a:r>
-              <a:rPr lang="en-US" dirty="0" smtClean="0"/>
+            <a:endParaRPr lang="en-US" dirty="0"/>
+          </a:p>
+          <a:p>
+            <a:r>
+              <a:rPr lang="en-US" dirty="0"/>
               <a:t>Stochastic Gradient Descent</a:t>
             </a:r>
           </a:p>
           <a:p>
             <a:pPr lvl="1"/>
             <a:r>
-              <a:rPr lang="en-US" dirty="0" smtClean="0"/>
+              <a:rPr lang="en-US" dirty="0"/>
               <a:t>Ideal </a:t>
             </a:r>
             <a:r>
+              <a:rPr lang="en-US"/>
+              <a:t>for large </a:t>
+            </a:r>
+            <a:r>
               <a:rPr lang="en-US" dirty="0"/>
-              <a:t>for small </a:t>
-            </a:r>
-            <a:r>
-              <a:rPr lang="en-US" dirty="0" smtClean="0"/>
               <a:t>datasets</a:t>
             </a:r>
           </a:p>
@@ -10950,7 +10800,7 @@
           </a:p>
           <a:p>
             <a:pPr lvl="1"/>
-            <a:endParaRPr lang="en-US" dirty="0" smtClean="0"/>
+            <a:endParaRPr lang="en-US" dirty="0"/>
           </a:p>
           <a:p>
             <a:pPr lvl="1"/>
@@ -10974,13 +10824,6 @@
   <p:clrMapOvr>
     <a:masterClrMapping/>
   </p:clrMapOvr>
-  <p:timing>
-    <p:tnLst>
-      <p:par>
-        <p:cTn id="1" dur="indefinite" restart="never" nodeType="tmRoot"/>
-      </p:par>
-    </p:tnLst>
-  </p:timing>
 </p:sld>
 </file>
 
